--- a/lectures/Intro.pptx
+++ b/lectures/Intro.pptx
@@ -343,7 +343,7 @@
   <pc:docChgLst>
     <pc:chgData name="Jan" userId="185de13651d64d23" providerId="LiveId" clId="{2C096624-DD2E-4E3E-ABB4-9F84511A5C47}"/>
     <pc:docChg chg="custSel delSld modSld">
-      <pc:chgData name="Jan" userId="185de13651d64d23" providerId="LiveId" clId="{2C096624-DD2E-4E3E-ABB4-9F84511A5C47}" dt="2023-01-07T07:57:25.178" v="65" actId="47"/>
+      <pc:chgData name="Jan" userId="185de13651d64d23" providerId="LiveId" clId="{2C096624-DD2E-4E3E-ABB4-9F84511A5C47}" dt="2023-01-28T09:47:54.645" v="77" actId="20577"/>
       <pc:docMkLst>
         <pc:docMk/>
       </pc:docMkLst>
@@ -399,6 +399,21 @@
           <pc:docMk/>
           <pc:sldMk cId="1707327199" sldId="282"/>
         </pc:sldMkLst>
+      </pc:sldChg>
+      <pc:sldChg chg="modSp mod">
+        <pc:chgData name="Jan" userId="185de13651d64d23" providerId="LiveId" clId="{2C096624-DD2E-4E3E-ABB4-9F84511A5C47}" dt="2023-01-28T09:47:54.645" v="77" actId="20577"/>
+        <pc:sldMkLst>
+          <pc:docMk/>
+          <pc:sldMk cId="1787185965" sldId="285"/>
+        </pc:sldMkLst>
+        <pc:spChg chg="mod">
+          <ac:chgData name="Jan" userId="185de13651d64d23" providerId="LiveId" clId="{2C096624-DD2E-4E3E-ABB4-9F84511A5C47}" dt="2023-01-28T09:47:54.645" v="77" actId="20577"/>
+          <ac:spMkLst>
+            <pc:docMk/>
+            <pc:sldMk cId="1787185965" sldId="285"/>
+            <ac:spMk id="113" creationId="{00000000-0000-0000-0000-000000000000}"/>
+          </ac:spMkLst>
+        </pc:spChg>
       </pc:sldChg>
     </pc:docChg>
   </pc:docChgLst>
@@ -9132,8 +9147,8 @@
           <a:p>
             <a:pPr lvl="0"/>
             <a:r>
-              <a:rPr lang="de-DE" dirty="0"/>
-              <a:t>Who am I?</a:t>
+              <a:rPr lang="de-DE"/>
+              <a:t>Wer bin Ich?</a:t>
             </a:r>
             <a:endParaRPr dirty="0"/>
           </a:p>
